--- a/materials/slides/1-8.pptx
+++ b/materials/slides/1-8.pptx
@@ -10849,7 +10849,7 @@
               <a:defRPr/>
             </a:pPr>
             <a:r>
-              <a:rPr lang="zh-CN" altLang="en-US" sz="2400" dirty="0">
+              <a:rPr lang="zh-CN" altLang="en-US" sz="2400" dirty="0" smtClean="0">
                 <a:solidFill>
                   <a:schemeClr val="accent1">
                     <a:lumMod val="90000"/>
@@ -10857,7 +10857,18 @@
                   </a:schemeClr>
                 </a:solidFill>
               </a:rPr>
-              <a:t>例：</a:t>
+              <a:t>  例</a:t>
+            </a:r>
+            <a:r>
+              <a:rPr lang="zh-CN" altLang="en-US" sz="2400" dirty="0">
+                <a:solidFill>
+                  <a:schemeClr val="accent1">
+                    <a:lumMod val="90000"/>
+                    <a:lumOff val="10000"/>
+                  </a:schemeClr>
+                </a:solidFill>
+              </a:rPr>
+              <a:t>：</a:t>
             </a:r>
             <a:r>
               <a:rPr lang="en-US" altLang="zh-CN" sz="2400" dirty="0" err="1">
@@ -10944,7 +10955,7 @@
               <a:t>      </a:t>
             </a:r>
             <a:r>
-              <a:rPr lang="en-US" altLang="zh-CN" sz="2400" dirty="0" err="1">
+              <a:rPr lang="en-US" altLang="zh-CN" sz="2400" dirty="0" smtClean="0">
                 <a:solidFill>
                   <a:schemeClr val="accent1">
                     <a:lumMod val="90000"/>
@@ -10952,10 +10963,10 @@
                   </a:schemeClr>
                 </a:solidFill>
               </a:rPr>
-              <a:t>document.body</a:t>
-            </a:r>
-            <a:r>
-              <a:rPr lang="en-US" altLang="zh-CN" sz="2400" dirty="0">
+              <a:t>   </a:t>
+            </a:r>
+            <a:r>
+              <a:rPr lang="en-US" altLang="zh-CN" sz="2400" dirty="0" err="1" smtClean="0">
                 <a:solidFill>
                   <a:schemeClr val="accent1">
                     <a:lumMod val="90000"/>
@@ -10963,7 +10974,29 @@
                   </a:schemeClr>
                 </a:solidFill>
               </a:rPr>
-              <a:t> . </a:t>
+              <a:t>document.body</a:t>
+            </a:r>
+            <a:r>
+              <a:rPr lang="en-US" altLang="zh-CN" sz="2400" dirty="0" smtClean="0">
+                <a:solidFill>
+                  <a:schemeClr val="accent1">
+                    <a:lumMod val="90000"/>
+                    <a:lumOff val="10000"/>
+                  </a:schemeClr>
+                </a:solidFill>
+              </a:rPr>
+              <a:t> </a:t>
+            </a:r>
+            <a:r>
+              <a:rPr lang="en-US" altLang="zh-CN" sz="2400" dirty="0">
+                <a:solidFill>
+                  <a:schemeClr val="accent1">
+                    <a:lumMod val="90000"/>
+                    <a:lumOff val="10000"/>
+                  </a:schemeClr>
+                </a:solidFill>
+              </a:rPr>
+              <a:t>. </a:t>
             </a:r>
             <a:r>
               <a:rPr lang="en-US" altLang="zh-CN" sz="2400" dirty="0" err="1">
@@ -11108,7 +11141,7 @@
               <a:defRPr/>
             </a:pPr>
             <a:r>
-              <a:rPr lang="zh-CN" altLang="en-US" sz="2400" dirty="0">
+              <a:rPr lang="zh-CN" altLang="en-US" sz="2400" dirty="0" smtClean="0">
                 <a:solidFill>
                   <a:schemeClr val="accent1">
                     <a:lumMod val="90000"/>
@@ -11116,7 +11149,18 @@
                   </a:schemeClr>
                 </a:solidFill>
               </a:rPr>
-              <a:t>例：</a:t>
+              <a:t>  例</a:t>
+            </a:r>
+            <a:r>
+              <a:rPr lang="zh-CN" altLang="en-US" sz="2400" dirty="0">
+                <a:solidFill>
+                  <a:schemeClr val="accent1">
+                    <a:lumMod val="90000"/>
+                    <a:lumOff val="10000"/>
+                  </a:schemeClr>
+                </a:solidFill>
+              </a:rPr>
+              <a:t>：</a:t>
             </a:r>
             <a:r>
               <a:rPr lang="en-US" altLang="zh-CN" sz="2400" dirty="0" err="1">
@@ -11199,7 +11243,29 @@
                   </a:schemeClr>
                 </a:solidFill>
               </a:rPr>
-              <a:t>       document . body . </a:t>
+              <a:t>       </a:t>
+            </a:r>
+            <a:r>
+              <a:rPr lang="en-US" altLang="zh-CN" sz="2400" dirty="0" smtClean="0">
+                <a:solidFill>
+                  <a:schemeClr val="accent1">
+                    <a:lumMod val="90000"/>
+                    <a:lumOff val="10000"/>
+                  </a:schemeClr>
+                </a:solidFill>
+              </a:rPr>
+              <a:t>  document </a:t>
+            </a:r>
+            <a:r>
+              <a:rPr lang="en-US" altLang="zh-CN" sz="2400" dirty="0">
+                <a:solidFill>
+                  <a:schemeClr val="accent1">
+                    <a:lumMod val="90000"/>
+                    <a:lumOff val="10000"/>
+                  </a:schemeClr>
+                </a:solidFill>
+              </a:rPr>
+              <a:t>. body . </a:t>
             </a:r>
             <a:r>
               <a:rPr lang="en-US" altLang="zh-CN" sz="2400" dirty="0" err="1">
@@ -11333,7 +11399,7 @@
         </p:nvSpPr>
         <p:spPr bwMode="auto">
           <a:xfrm>
-            <a:off x="1976368" y="3615632"/>
+            <a:off x="2186993" y="3615632"/>
             <a:ext cx="1107996" cy="461665"/>
           </a:xfrm>
           <a:prstGeom prst="rect">
@@ -11509,7 +11575,7 @@
         </p:nvSpPr>
         <p:spPr bwMode="auto">
           <a:xfrm>
-            <a:off x="3963227" y="3615632"/>
+            <a:off x="4173852" y="3615632"/>
             <a:ext cx="1723549" cy="461665"/>
           </a:xfrm>
           <a:prstGeom prst="rect">
@@ -11679,7 +11745,7 @@
         </p:nvSpPr>
         <p:spPr bwMode="auto">
           <a:xfrm>
-            <a:off x="5962651" y="3645099"/>
+            <a:off x="6173276" y="3645099"/>
             <a:ext cx="1723549" cy="461665"/>
           </a:xfrm>
           <a:prstGeom prst="rect">
@@ -11849,7 +11915,7 @@
         </p:nvCxnSpPr>
         <p:spPr bwMode="auto">
           <a:xfrm>
-            <a:off x="3862977" y="3530610"/>
+            <a:off x="4073602" y="3645099"/>
             <a:ext cx="1924050" cy="0"/>
           </a:xfrm>
           <a:prstGeom prst="line">
@@ -11883,7 +11949,7 @@
         </p:nvCxnSpPr>
         <p:spPr bwMode="auto">
           <a:xfrm flipV="1">
-            <a:off x="5998641" y="3546485"/>
+            <a:off x="6209266" y="3645098"/>
             <a:ext cx="649295" cy="1"/>
           </a:xfrm>
           <a:prstGeom prst="line">
@@ -11917,7 +11983,7 @@
         </p:nvCxnSpPr>
         <p:spPr bwMode="auto">
           <a:xfrm>
-            <a:off x="1413855" y="3530610"/>
+            <a:off x="1624480" y="3645099"/>
             <a:ext cx="2233023" cy="0"/>
           </a:xfrm>
           <a:prstGeom prst="line">
@@ -11954,7 +12020,7 @@
         </p:nvSpPr>
         <p:spPr bwMode="auto">
           <a:xfrm>
-            <a:off x="6941112" y="5560523"/>
+            <a:off x="7065953" y="5517957"/>
             <a:ext cx="745087" cy="461665"/>
           </a:xfrm>
           <a:prstGeom prst="rect">
@@ -12110,7 +12176,7 @@
         </p:nvSpPr>
         <p:spPr bwMode="auto">
           <a:xfrm>
-            <a:off x="2206218" y="6085305"/>
+            <a:off x="2331059" y="6179353"/>
             <a:ext cx="1107996" cy="461665"/>
           </a:xfrm>
           <a:prstGeom prst="rect">
@@ -12286,7 +12352,7 @@
         </p:nvSpPr>
         <p:spPr bwMode="auto">
           <a:xfrm>
-            <a:off x="4193077" y="6085305"/>
+            <a:off x="4317918" y="6179353"/>
             <a:ext cx="1723549" cy="461665"/>
           </a:xfrm>
           <a:prstGeom prst="rect">
@@ -12456,7 +12522,7 @@
         </p:nvSpPr>
         <p:spPr bwMode="auto">
           <a:xfrm>
-            <a:off x="6192501" y="6114772"/>
+            <a:off x="6240066" y="6208820"/>
             <a:ext cx="1723549" cy="461665"/>
           </a:xfrm>
           <a:prstGeom prst="rect">
@@ -12626,7 +12692,7 @@
         </p:nvCxnSpPr>
         <p:spPr bwMode="auto">
           <a:xfrm>
-            <a:off x="4092827" y="6000283"/>
+            <a:off x="4217668" y="6094331"/>
             <a:ext cx="1924050" cy="0"/>
           </a:xfrm>
           <a:prstGeom prst="line">
@@ -12660,7 +12726,7 @@
         </p:nvCxnSpPr>
         <p:spPr bwMode="auto">
           <a:xfrm flipV="1">
-            <a:off x="6228491" y="6016158"/>
+            <a:off x="6240066" y="6110206"/>
             <a:ext cx="649295" cy="1"/>
           </a:xfrm>
           <a:prstGeom prst="line">
@@ -12694,7 +12760,7 @@
         </p:nvCxnSpPr>
         <p:spPr bwMode="auto">
           <a:xfrm>
-            <a:off x="1643705" y="6000283"/>
+            <a:off x="1768546" y="6094331"/>
             <a:ext cx="2233023" cy="0"/>
           </a:xfrm>
           <a:prstGeom prst="line">
@@ -13792,7 +13858,11 @@
             </a:r>
             <a:r>
               <a:rPr lang="zh-CN" altLang="en-US" sz="2400" dirty="0" smtClean="0"/>
-              <a:t>实行添加一个图片、替换一个图片的功能</a:t>
+              <a:t>实现添加</a:t>
+            </a:r>
+            <a:r>
+              <a:rPr lang="zh-CN" altLang="en-US" sz="2400" dirty="0" smtClean="0"/>
+              <a:t>一个图片、替换一个图片的功能</a:t>
             </a:r>
             <a:endParaRPr lang="en-US" altLang="zh-CN" sz="2400" dirty="0" smtClean="0"/>
           </a:p>
@@ -14281,19 +14351,19 @@
             </a:r>
             <a:r>
               <a:rPr lang="zh-CN" altLang="en-US" dirty="0" smtClean="0"/>
-              <a:t>元素节点或文本节点</a:t>
+              <a:t>元素节点或文本</a:t>
+            </a:r>
+            <a:r>
+              <a:rPr lang="zh-CN" altLang="en-US" dirty="0" smtClean="0"/>
+              <a:t>节点</a:t>
             </a:r>
             <a:endParaRPr lang="en-US" altLang="zh-CN" dirty="0" smtClean="0"/>
           </a:p>
           <a:p>
-            <a:pPr marL="360000" lvl="1"/>
-            <a:r>
-              <a:rPr lang="zh-CN" altLang="en-US" sz="2400" dirty="0" smtClean="0"/>
-              <a:t> 从</a:t>
-            </a:r>
+            <a:pPr marL="591775" lvl="1"/>
             <a:r>
               <a:rPr lang="zh-CN" altLang="en-US" sz="2400" dirty="0"/>
-              <a:t>子节点列表中删除某个节点：</a:t>
+              <a:t>从子节点列表中删除某个节点：</a:t>
             </a:r>
             <a:r>
               <a:rPr lang="en-US" altLang="zh-CN" sz="2400" dirty="0" err="1">
@@ -14316,7 +14386,7 @@
               <a:t>node</a:t>
             </a:r>
             <a:r>
-              <a:rPr lang="en-US" altLang="zh-CN" sz="2400" dirty="0">
+              <a:rPr lang="en-US" altLang="zh-CN" sz="2400" dirty="0" smtClean="0">
                 <a:solidFill>
                   <a:srgbClr val="FF0000"/>
                 </a:solidFill>
@@ -14337,12 +14407,20 @@
               <a:buNone/>
             </a:pPr>
             <a:r>
+              <a:rPr lang="zh-CN" altLang="en-US" sz="2400" dirty="0" smtClean="0">
+                <a:solidFill>
+                  <a:srgbClr val="006F53"/>
+                </a:solidFill>
+              </a:rPr>
+              <a:t>     例</a:t>
+            </a:r>
+            <a:r>
               <a:rPr lang="zh-CN" altLang="en-US" sz="2400" dirty="0">
                 <a:solidFill>
                   <a:srgbClr val="006F53"/>
                 </a:solidFill>
               </a:rPr>
-              <a:t>例：</a:t>
+              <a:t>：</a:t>
             </a:r>
             <a:r>
               <a:rPr lang="zh-CN" altLang="en-US" sz="2400" dirty="0"/>
@@ -14797,7 +14875,7 @@
         </p:nvCxnSpPr>
         <p:spPr bwMode="auto">
           <a:xfrm>
-            <a:off x="8369789" y="2869700"/>
+            <a:off x="8761221" y="2869700"/>
             <a:ext cx="1944891" cy="1"/>
           </a:xfrm>
           <a:prstGeom prst="line">
@@ -15407,170 +15485,6 @@
       </p:sp>
       <p:sp>
         <p:nvSpPr>
-          <p:cNvPr id="5" name="TextBox 3"/>
-          <p:cNvSpPr txBox="1">
-            <a:spLocks noChangeArrowheads="1"/>
-          </p:cNvSpPr>
-          <p:nvPr/>
-        </p:nvSpPr>
-        <p:spPr bwMode="auto">
-          <a:xfrm>
-            <a:off x="7951789" y="3500438"/>
-            <a:ext cx="2488182" cy="523220"/>
-          </a:xfrm>
-          <a:prstGeom prst="rect">
-            <a:avLst/>
-          </a:prstGeom>
-          <a:noFill/>
-          <a:ln>
-            <a:noFill/>
-          </a:ln>
-          <a:extLst>
-            <a:ext uri="{909E8E84-426E-40DD-AFC4-6F175D3DCCD1}">
-              <a14:hiddenFill xmlns:a14="http://schemas.microsoft.com/office/drawing/2010/main">
-                <a:solidFill>
-                  <a:srgbClr val="FFFFFF"/>
-                </a:solidFill>
-              </a14:hiddenFill>
-            </a:ext>
-            <a:ext uri="{91240B29-F687-4F45-9708-019B960494DF}">
-              <a14:hiddenLine xmlns:a14="http://schemas.microsoft.com/office/drawing/2010/main" w="9525">
-                <a:solidFill>
-                  <a:srgbClr val="000000"/>
-                </a:solidFill>
-                <a:miter lim="800000"/>
-                <a:headEnd/>
-                <a:tailEnd/>
-              </a14:hiddenLine>
-            </a:ext>
-          </a:extLst>
-        </p:spPr>
-        <p:txBody>
-          <a:bodyPr wrap="none">
-            <a:spAutoFit/>
-          </a:bodyPr>
-          <a:lstStyle>
-            <a:lvl1pPr>
-              <a:defRPr sz="3200">
-                <a:solidFill>
-                  <a:schemeClr val="tx1"/>
-                </a:solidFill>
-                <a:latin typeface="Arial" panose="020B0604020202020204" pitchFamily="34" charset="0"/>
-                <a:ea typeface="微软雅黑" panose="020B0503020204020204" pitchFamily="34" charset="-122"/>
-              </a:defRPr>
-            </a:lvl1pPr>
-            <a:lvl2pPr marL="742950" indent="-285750">
-              <a:defRPr sz="3200">
-                <a:solidFill>
-                  <a:schemeClr val="tx1"/>
-                </a:solidFill>
-                <a:latin typeface="Arial" panose="020B0604020202020204" pitchFamily="34" charset="0"/>
-                <a:ea typeface="微软雅黑" panose="020B0503020204020204" pitchFamily="34" charset="-122"/>
-              </a:defRPr>
-            </a:lvl2pPr>
-            <a:lvl3pPr marL="1143000" indent="-228600">
-              <a:defRPr sz="3200">
-                <a:solidFill>
-                  <a:schemeClr val="tx1"/>
-                </a:solidFill>
-                <a:latin typeface="Arial" panose="020B0604020202020204" pitchFamily="34" charset="0"/>
-                <a:ea typeface="微软雅黑" panose="020B0503020204020204" pitchFamily="34" charset="-122"/>
-              </a:defRPr>
-            </a:lvl3pPr>
-            <a:lvl4pPr marL="1600200" indent="-228600">
-              <a:defRPr sz="3200">
-                <a:solidFill>
-                  <a:schemeClr val="tx1"/>
-                </a:solidFill>
-                <a:latin typeface="Arial" panose="020B0604020202020204" pitchFamily="34" charset="0"/>
-                <a:ea typeface="微软雅黑" panose="020B0503020204020204" pitchFamily="34" charset="-122"/>
-              </a:defRPr>
-            </a:lvl4pPr>
-            <a:lvl5pPr marL="2057400" indent="-228600">
-              <a:defRPr sz="3200">
-                <a:solidFill>
-                  <a:schemeClr val="tx1"/>
-                </a:solidFill>
-                <a:latin typeface="Arial" panose="020B0604020202020204" pitchFamily="34" charset="0"/>
-                <a:ea typeface="微软雅黑" panose="020B0503020204020204" pitchFamily="34" charset="-122"/>
-              </a:defRPr>
-            </a:lvl5pPr>
-            <a:lvl6pPr marL="2514600" indent="-228600" eaLnBrk="0" fontAlgn="base" hangingPunct="0">
-              <a:spcBef>
-                <a:spcPct val="0"/>
-              </a:spcBef>
-              <a:spcAft>
-                <a:spcPct val="0"/>
-              </a:spcAft>
-              <a:defRPr sz="3200">
-                <a:solidFill>
-                  <a:schemeClr val="tx1"/>
-                </a:solidFill>
-                <a:latin typeface="Arial" panose="020B0604020202020204" pitchFamily="34" charset="0"/>
-                <a:ea typeface="微软雅黑" panose="020B0503020204020204" pitchFamily="34" charset="-122"/>
-              </a:defRPr>
-            </a:lvl6pPr>
-            <a:lvl7pPr marL="2971800" indent="-228600" eaLnBrk="0" fontAlgn="base" hangingPunct="0">
-              <a:spcBef>
-                <a:spcPct val="0"/>
-              </a:spcBef>
-              <a:spcAft>
-                <a:spcPct val="0"/>
-              </a:spcAft>
-              <a:defRPr sz="3200">
-                <a:solidFill>
-                  <a:schemeClr val="tx1"/>
-                </a:solidFill>
-                <a:latin typeface="Arial" panose="020B0604020202020204" pitchFamily="34" charset="0"/>
-                <a:ea typeface="微软雅黑" panose="020B0503020204020204" pitchFamily="34" charset="-122"/>
-              </a:defRPr>
-            </a:lvl7pPr>
-            <a:lvl8pPr marL="3429000" indent="-228600" eaLnBrk="0" fontAlgn="base" hangingPunct="0">
-              <a:spcBef>
-                <a:spcPct val="0"/>
-              </a:spcBef>
-              <a:spcAft>
-                <a:spcPct val="0"/>
-              </a:spcAft>
-              <a:defRPr sz="3200">
-                <a:solidFill>
-                  <a:schemeClr val="tx1"/>
-                </a:solidFill>
-                <a:latin typeface="Arial" panose="020B0604020202020204" pitchFamily="34" charset="0"/>
-                <a:ea typeface="微软雅黑" panose="020B0503020204020204" pitchFamily="34" charset="-122"/>
-              </a:defRPr>
-            </a:lvl8pPr>
-            <a:lvl9pPr marL="3886200" indent="-228600" eaLnBrk="0" fontAlgn="base" hangingPunct="0">
-              <a:spcBef>
-                <a:spcPct val="0"/>
-              </a:spcBef>
-              <a:spcAft>
-                <a:spcPct val="0"/>
-              </a:spcAft>
-              <a:defRPr sz="3200">
-                <a:solidFill>
-                  <a:schemeClr val="tx1"/>
-                </a:solidFill>
-                <a:latin typeface="Arial" panose="020B0604020202020204" pitchFamily="34" charset="0"/>
-                <a:ea typeface="微软雅黑" panose="020B0503020204020204" pitchFamily="34" charset="-122"/>
-              </a:defRPr>
-            </a:lvl9pPr>
-          </a:lstStyle>
-          <a:p>
-            <a:r>
-              <a:rPr lang="en-US" altLang="zh-CN" sz="2800" dirty="0" smtClean="0">
-                <a:latin typeface="微软雅黑" pitchFamily="34" charset="-122"/>
-              </a:rPr>
-              <a:t>demo1-8-2-3</a:t>
-            </a:r>
-            <a:endParaRPr lang="zh-CN" altLang="en-US" dirty="0">
-              <a:latin typeface="微软雅黑" pitchFamily="34" charset="-122"/>
-            </a:endParaRPr>
-          </a:p>
-        </p:txBody>
-      </p:sp>
-      <p:sp>
-        <p:nvSpPr>
           <p:cNvPr id="6" name="TextBox 3"/>
           <p:cNvSpPr txBox="1">
             <a:spLocks noChangeArrowheads="1"/>
@@ -15725,7 +15639,7 @@
               <a:rPr lang="en-US" altLang="zh-CN" sz="2800" dirty="0" smtClean="0">
                 <a:latin typeface="微软雅黑" pitchFamily="34" charset="-122"/>
               </a:rPr>
-              <a:t>demo1-8-2-4</a:t>
+              <a:t>demo1-8-2-3</a:t>
             </a:r>
             <a:endParaRPr lang="zh-CN" altLang="en-US" sz="2800" dirty="0">
               <a:latin typeface="微软雅黑" pitchFamily="34" charset="-122"/>
@@ -18338,9 +18252,63 @@
                                           </p:stCondLst>
                                         </p:cTn>
                                         <p:tgtEl>
-                                          <p:spTgt spid="7">
+                                          <p:spTgt spid="12"/>
+                                        </p:tgtEl>
+                                        <p:attrNameLst>
+                                          <p:attrName>style.visibility</p:attrName>
+                                        </p:attrNameLst>
+                                      </p:cBhvr>
+                                      <p:to>
+                                        <p:strVal val="visible"/>
+                                      </p:to>
+                                    </p:set>
+                                  </p:childTnLst>
+                                </p:cTn>
+                              </p:par>
+                              <p:par>
+                                <p:cTn id="27" presetID="1" presetClass="entr" presetSubtype="0" fill="hold" nodeType="withEffect">
+                                  <p:stCondLst>
+                                    <p:cond delay="0"/>
+                                  </p:stCondLst>
+                                  <p:childTnLst>
+                                    <p:set>
+                                      <p:cBhvr>
+                                        <p:cTn id="28" dur="1" fill="hold">
+                                          <p:stCondLst>
+                                            <p:cond delay="0"/>
+                                          </p:stCondLst>
+                                        </p:cTn>
+                                        <p:tgtEl>
+                                          <p:spTgt spid="13"/>
+                                        </p:tgtEl>
+                                        <p:attrNameLst>
+                                          <p:attrName>style.visibility</p:attrName>
+                                        </p:attrNameLst>
+                                      </p:cBhvr>
+                                      <p:to>
+                                        <p:strVal val="visible"/>
+                                      </p:to>
+                                    </p:set>
+                                  </p:childTnLst>
+                                </p:cTn>
+                              </p:par>
+                              <p:par>
+                                <p:cTn id="29" presetID="1" presetClass="entr" presetSubtype="0" fill="hold" grpId="0" nodeType="withEffect">
+                                  <p:stCondLst>
+                                    <p:cond delay="0"/>
+                                  </p:stCondLst>
+                                  <p:childTnLst>
+                                    <p:set>
+                                      <p:cBhvr>
+                                        <p:cTn id="30" dur="1" fill="hold">
+                                          <p:stCondLst>
+                                            <p:cond delay="0"/>
+                                          </p:stCondLst>
+                                        </p:cTn>
+                                        <p:tgtEl>
+                                          <p:spTgt spid="11">
                                             <p:txEl>
-                                              <p:pRg st="4" end="4"/>
+                                              <p:pRg st="0" end="0"/>
                                             </p:txEl>
                                           </p:spTgt>
                                         </p:tgtEl>
@@ -18362,73 +18330,19 @@
                     </p:cTn>
                   </p:par>
                   <p:par>
-                    <p:cTn id="27" fill="hold">
+                    <p:cTn id="31" fill="hold">
                       <p:stCondLst>
                         <p:cond delay="indefinite"/>
                       </p:stCondLst>
                       <p:childTnLst>
                         <p:par>
-                          <p:cTn id="28" fill="hold">
+                          <p:cTn id="32" fill="hold">
                             <p:stCondLst>
                               <p:cond delay="0"/>
                             </p:stCondLst>
                             <p:childTnLst>
                               <p:par>
-                                <p:cTn id="29" presetID="1" presetClass="entr" presetSubtype="0" fill="hold" nodeType="clickEffect">
-                                  <p:stCondLst>
-                                    <p:cond delay="0"/>
-                                  </p:stCondLst>
-                                  <p:childTnLst>
-                                    <p:set>
-                                      <p:cBhvr>
-                                        <p:cTn id="30" dur="1" fill="hold">
-                                          <p:stCondLst>
-                                            <p:cond delay="0"/>
-                                          </p:stCondLst>
-                                        </p:cTn>
-                                        <p:tgtEl>
-                                          <p:spTgt spid="12"/>
-                                        </p:tgtEl>
-                                        <p:attrNameLst>
-                                          <p:attrName>style.visibility</p:attrName>
-                                        </p:attrNameLst>
-                                      </p:cBhvr>
-                                      <p:to>
-                                        <p:strVal val="visible"/>
-                                      </p:to>
-                                    </p:set>
-                                  </p:childTnLst>
-                                </p:cTn>
-                              </p:par>
-                              <p:par>
-                                <p:cTn id="31" presetID="1" presetClass="entr" presetSubtype="0" fill="hold" nodeType="withEffect">
-                                  <p:stCondLst>
-                                    <p:cond delay="0"/>
-                                  </p:stCondLst>
-                                  <p:childTnLst>
-                                    <p:set>
-                                      <p:cBhvr>
-                                        <p:cTn id="32" dur="1" fill="hold">
-                                          <p:stCondLst>
-                                            <p:cond delay="0"/>
-                                          </p:stCondLst>
-                                        </p:cTn>
-                                        <p:tgtEl>
-                                          <p:spTgt spid="13"/>
-                                        </p:tgtEl>
-                                        <p:attrNameLst>
-                                          <p:attrName>style.visibility</p:attrName>
-                                        </p:attrNameLst>
-                                      </p:cBhvr>
-                                      <p:to>
-                                        <p:strVal val="visible"/>
-                                      </p:to>
-                                    </p:set>
-                                  </p:childTnLst>
-                                </p:cTn>
-                              </p:par>
-                              <p:par>
-                                <p:cTn id="33" presetID="1" presetClass="entr" presetSubtype="0" fill="hold" grpId="0" nodeType="withEffect">
+                                <p:cTn id="33" presetID="1" presetClass="entr" presetSubtype="0" fill="hold" nodeType="clickEffect">
                                   <p:stCondLst>
                                     <p:cond delay="0"/>
                                   </p:stCondLst>
@@ -18441,9 +18355,9 @@
                                           </p:stCondLst>
                                         </p:cTn>
                                         <p:tgtEl>
-                                          <p:spTgt spid="11">
+                                          <p:spTgt spid="7">
                                             <p:txEl>
-                                              <p:pRg st="0" end="0"/>
+                                              <p:pRg st="4" end="4"/>
                                             </p:txEl>
                                           </p:spTgt>
                                         </p:tgtEl>
@@ -18533,9 +18447,63 @@
                                           </p:stCondLst>
                                         </p:cTn>
                                         <p:tgtEl>
-                                          <p:spTgt spid="7">
+                                          <p:spTgt spid="20"/>
+                                        </p:tgtEl>
+                                        <p:attrNameLst>
+                                          <p:attrName>style.visibility</p:attrName>
+                                        </p:attrNameLst>
+                                      </p:cBhvr>
+                                      <p:to>
+                                        <p:strVal val="visible"/>
+                                      </p:to>
+                                    </p:set>
+                                  </p:childTnLst>
+                                </p:cTn>
+                              </p:par>
+                              <p:par>
+                                <p:cTn id="41" presetID="1" presetClass="entr" presetSubtype="0" fill="hold" nodeType="withEffect">
+                                  <p:stCondLst>
+                                    <p:cond delay="0"/>
+                                  </p:stCondLst>
+                                  <p:childTnLst>
+                                    <p:set>
+                                      <p:cBhvr>
+                                        <p:cTn id="42" dur="1" fill="hold">
+                                          <p:stCondLst>
+                                            <p:cond delay="0"/>
+                                          </p:stCondLst>
+                                        </p:cTn>
+                                        <p:tgtEl>
+                                          <p:spTgt spid="21"/>
+                                        </p:tgtEl>
+                                        <p:attrNameLst>
+                                          <p:attrName>style.visibility</p:attrName>
+                                        </p:attrNameLst>
+                                      </p:cBhvr>
+                                      <p:to>
+                                        <p:strVal val="visible"/>
+                                      </p:to>
+                                    </p:set>
+                                  </p:childTnLst>
+                                </p:cTn>
+                              </p:par>
+                              <p:par>
+                                <p:cTn id="43" presetID="1" presetClass="entr" presetSubtype="0" fill="hold" grpId="0" nodeType="withEffect">
+                                  <p:stCondLst>
+                                    <p:cond delay="0"/>
+                                  </p:stCondLst>
+                                  <p:childTnLst>
+                                    <p:set>
+                                      <p:cBhvr>
+                                        <p:cTn id="44" dur="1" fill="hold">
+                                          <p:stCondLst>
+                                            <p:cond delay="0"/>
+                                          </p:stCondLst>
+                                        </p:cTn>
+                                        <p:tgtEl>
+                                          <p:spTgt spid="24">
                                             <p:txEl>
-                                              <p:pRg st="6" end="6"/>
+                                              <p:pRg st="0" end="0"/>
                                             </p:txEl>
                                           </p:spTgt>
                                         </p:tgtEl>
@@ -18557,73 +18525,19 @@
                     </p:cTn>
                   </p:par>
                   <p:par>
-                    <p:cTn id="41" fill="hold">
+                    <p:cTn id="45" fill="hold">
                       <p:stCondLst>
                         <p:cond delay="indefinite"/>
                       </p:stCondLst>
                       <p:childTnLst>
                         <p:par>
-                          <p:cTn id="42" fill="hold">
+                          <p:cTn id="46" fill="hold">
                             <p:stCondLst>
                               <p:cond delay="0"/>
                             </p:stCondLst>
                             <p:childTnLst>
                               <p:par>
-                                <p:cTn id="43" presetID="1" presetClass="entr" presetSubtype="0" fill="hold" nodeType="clickEffect">
-                                  <p:stCondLst>
-                                    <p:cond delay="0"/>
-                                  </p:stCondLst>
-                                  <p:childTnLst>
-                                    <p:set>
-                                      <p:cBhvr>
-                                        <p:cTn id="44" dur="1" fill="hold">
-                                          <p:stCondLst>
-                                            <p:cond delay="0"/>
-                                          </p:stCondLst>
-                                        </p:cTn>
-                                        <p:tgtEl>
-                                          <p:spTgt spid="18"/>
-                                        </p:tgtEl>
-                                        <p:attrNameLst>
-                                          <p:attrName>style.visibility</p:attrName>
-                                        </p:attrNameLst>
-                                      </p:cBhvr>
-                                      <p:to>
-                                        <p:strVal val="visible"/>
-                                      </p:to>
-                                    </p:set>
-                                  </p:childTnLst>
-                                </p:cTn>
-                              </p:par>
-                              <p:par>
-                                <p:cTn id="45" presetID="1" presetClass="entr" presetSubtype="0" fill="hold" nodeType="withEffect">
-                                  <p:stCondLst>
-                                    <p:cond delay="0"/>
-                                  </p:stCondLst>
-                                  <p:childTnLst>
-                                    <p:set>
-                                      <p:cBhvr>
-                                        <p:cTn id="46" dur="1" fill="hold">
-                                          <p:stCondLst>
-                                            <p:cond delay="0"/>
-                                          </p:stCondLst>
-                                        </p:cTn>
-                                        <p:tgtEl>
-                                          <p:spTgt spid="19"/>
-                                        </p:tgtEl>
-                                        <p:attrNameLst>
-                                          <p:attrName>style.visibility</p:attrName>
-                                        </p:attrNameLst>
-                                      </p:cBhvr>
-                                      <p:to>
-                                        <p:strVal val="visible"/>
-                                      </p:to>
-                                    </p:set>
-                                  </p:childTnLst>
-                                </p:cTn>
-                              </p:par>
-                              <p:par>
-                                <p:cTn id="47" presetID="1" presetClass="entr" presetSubtype="0" fill="hold" grpId="0" nodeType="withEffect">
+                                <p:cTn id="47" presetID="1" presetClass="entr" presetSubtype="0" fill="hold" nodeType="clickEffect">
                                   <p:stCondLst>
                                     <p:cond delay="0"/>
                                   </p:stCondLst>
@@ -18636,7 +18550,11 @@
                                           </p:stCondLst>
                                         </p:cTn>
                                         <p:tgtEl>
-                                          <p:spTgt spid="17"/>
+                                          <p:spTgt spid="7">
+                                            <p:txEl>
+                                              <p:pRg st="6" end="6"/>
+                                            </p:txEl>
+                                          </p:spTgt>
                                         </p:tgtEl>
                                         <p:attrNameLst>
                                           <p:attrName>style.visibility</p:attrName>
@@ -18681,7 +18599,7 @@
                                           </p:stCondLst>
                                         </p:cTn>
                                         <p:tgtEl>
-                                          <p:spTgt spid="20"/>
+                                          <p:spTgt spid="18"/>
                                         </p:tgtEl>
                                         <p:attrNameLst>
                                           <p:attrName>style.visibility</p:attrName>
@@ -18708,7 +18626,7 @@
                                           </p:stCondLst>
                                         </p:cTn>
                                         <p:tgtEl>
-                                          <p:spTgt spid="21"/>
+                                          <p:spTgt spid="19"/>
                                         </p:tgtEl>
                                         <p:attrNameLst>
                                           <p:attrName>style.visibility</p:attrName>
@@ -18735,11 +18653,7 @@
                                           </p:stCondLst>
                                         </p:cTn>
                                         <p:tgtEl>
-                                          <p:spTgt spid="24">
-                                            <p:txEl>
-                                              <p:pRg st="0" end="0"/>
-                                            </p:txEl>
-                                          </p:spTgt>
+                                          <p:spTgt spid="17"/>
                                         </p:tgtEl>
                                         <p:attrNameLst>
                                           <p:attrName>style.visibility</p:attrName>
@@ -44347,7 +44261,11 @@
             <a:pPr marL="360000"/>
             <a:r>
               <a:rPr lang="zh-CN" altLang="en-US" dirty="0" smtClean="0"/>
-              <a:t> 第一步：生成一个</a:t>
+              <a:t> 第一</a:t>
+            </a:r>
+            <a:r>
+              <a:rPr lang="zh-CN" altLang="en-US" dirty="0" smtClean="0"/>
+              <a:t>步：生成一个</a:t>
             </a:r>
             <a:r>
               <a:rPr lang="en-US" altLang="zh-CN" dirty="0" smtClean="0"/>
@@ -44357,13 +44275,17 @@
               <a:rPr lang="zh-CN" altLang="en-US" dirty="0" smtClean="0"/>
               <a:t>节点</a:t>
             </a:r>
-            <a:endParaRPr lang="en-US" altLang="zh-CN" dirty="0" smtClean="0"/>
+            <a:endParaRPr lang="en-US" altLang="zh-CN" sz="2400" dirty="0" smtClean="0"/>
           </a:p>
           <a:p>
-            <a:pPr marL="360000" lvl="1"/>
+            <a:pPr marL="591775" lvl="1"/>
             <a:r>
               <a:rPr lang="zh-CN" altLang="en-US" sz="2400" dirty="0" smtClean="0"/>
-              <a:t> 生成一个</a:t>
+              <a:t> 生成</a:t>
+            </a:r>
+            <a:r>
+              <a:rPr lang="zh-CN" altLang="en-US" sz="2400" dirty="0" smtClean="0"/>
+              <a:t>一个</a:t>
             </a:r>
             <a:r>
               <a:rPr lang="zh-CN" altLang="en-US" sz="2400" dirty="0" smtClean="0">
@@ -44409,6 +44331,11 @@
               </a:rPr>
               <a:t>)</a:t>
             </a:r>
+            <a:endParaRPr lang="en-US" altLang="zh-CN" sz="2400" dirty="0" smtClean="0">
+              <a:solidFill>
+                <a:srgbClr val="FF0000"/>
+              </a:solidFill>
+            </a:endParaRPr>
           </a:p>
           <a:p>
             <a:pPr marL="360000" lvl="1" indent="0">
@@ -44417,7 +44344,11 @@
               <a:defRPr/>
             </a:pPr>
             <a:r>
-              <a:rPr lang="zh-CN" altLang="en-US" sz="2400" dirty="0"/>
+              <a:rPr lang="en-US" altLang="zh-CN" sz="2400" dirty="0" smtClean="0"/>
+              <a:t>		   </a:t>
+            </a:r>
+            <a:r>
+              <a:rPr lang="zh-CN" altLang="en-US" sz="2400" dirty="0" smtClean="0"/>
               <a:t>通过</a:t>
             </a:r>
             <a:r>
@@ -44451,7 +44382,7 @@
               <a:defRPr/>
             </a:pPr>
             <a:r>
-              <a:rPr lang="zh-CN" altLang="en-US" sz="2400" dirty="0">
+              <a:rPr lang="zh-CN" altLang="en-US" sz="2400" dirty="0" smtClean="0">
                 <a:solidFill>
                   <a:schemeClr val="accent1">
                     <a:lumMod val="90000"/>
@@ -44459,10 +44390,10 @@
                   </a:schemeClr>
                 </a:solidFill>
               </a:rPr>
-              <a:t>例：</a:t>
-            </a:r>
-            <a:r>
-              <a:rPr lang="en-US" altLang="zh-CN" sz="2400" dirty="0" err="1">
+              <a:t>   例</a:t>
+            </a:r>
+            <a:r>
+              <a:rPr lang="zh-CN" altLang="en-US" sz="2400" dirty="0">
                 <a:solidFill>
                   <a:schemeClr val="accent1">
                     <a:lumMod val="90000"/>
@@ -44470,10 +44401,10 @@
                   </a:schemeClr>
                 </a:solidFill>
               </a:rPr>
-              <a:t>var</a:t>
-            </a:r>
-            <a:r>
-              <a:rPr lang="en-US" altLang="zh-CN" sz="2400" dirty="0">
+              <a:t>：</a:t>
+            </a:r>
+            <a:r>
+              <a:rPr lang="en-US" altLang="zh-CN" sz="2400" dirty="0" err="1">
                 <a:solidFill>
                   <a:schemeClr val="accent1">
                     <a:lumMod val="90000"/>
@@ -44481,10 +44412,10 @@
                   </a:schemeClr>
                 </a:solidFill>
               </a:rPr>
-              <a:t> </a:t>
-            </a:r>
-            <a:r>
-              <a:rPr lang="en-US" altLang="zh-CN" sz="2400" dirty="0" err="1">
+              <a:t>var</a:t>
+            </a:r>
+            <a:r>
+              <a:rPr lang="en-US" altLang="zh-CN" sz="2400" dirty="0">
                 <a:solidFill>
                   <a:schemeClr val="accent1">
                     <a:lumMod val="90000"/>
@@ -44492,10 +44423,10 @@
                   </a:schemeClr>
                 </a:solidFill>
               </a:rPr>
-              <a:t>btn</a:t>
-            </a:r>
-            <a:r>
-              <a:rPr lang="en-US" altLang="zh-CN" sz="2400" dirty="0">
+              <a:t> </a:t>
+            </a:r>
+            <a:r>
+              <a:rPr lang="en-US" altLang="zh-CN" sz="2400" dirty="0" err="1">
                 <a:solidFill>
                   <a:schemeClr val="accent1">
                     <a:lumMod val="90000"/>
@@ -44503,10 +44434,10 @@
                   </a:schemeClr>
                 </a:solidFill>
               </a:rPr>
-              <a:t>=</a:t>
-            </a:r>
-            <a:r>
-              <a:rPr lang="en-US" altLang="zh-CN" sz="2400" dirty="0" err="1">
+              <a:t>btn</a:t>
+            </a:r>
+            <a:r>
+              <a:rPr lang="en-US" altLang="zh-CN" sz="2400" dirty="0">
                 <a:solidFill>
                   <a:schemeClr val="accent1">
                     <a:lumMod val="90000"/>
@@ -44514,10 +44445,10 @@
                   </a:schemeClr>
                 </a:solidFill>
               </a:rPr>
-              <a:t>document.createElement</a:t>
-            </a:r>
-            <a:r>
-              <a:rPr lang="en-US" altLang="zh-CN" sz="2400" dirty="0">
+              <a:t>=</a:t>
+            </a:r>
+            <a:r>
+              <a:rPr lang="en-US" altLang="zh-CN" sz="2400" dirty="0" err="1">
                 <a:solidFill>
                   <a:schemeClr val="accent1">
                     <a:lumMod val="90000"/>
@@ -44525,11 +44456,41 @@
                   </a:schemeClr>
                 </a:solidFill>
               </a:rPr>
-              <a:t>(“button");</a:t>
-            </a:r>
+              <a:t>document.createElement</a:t>
+            </a:r>
+            <a:r>
+              <a:rPr lang="en-US" altLang="zh-CN" sz="2400" dirty="0">
+                <a:solidFill>
+                  <a:schemeClr val="accent1">
+                    <a:lumMod val="90000"/>
+                    <a:lumOff val="10000"/>
+                  </a:schemeClr>
+                </a:solidFill>
+              </a:rPr>
+              <a:t>(“button</a:t>
+            </a:r>
+            <a:r>
+              <a:rPr lang="en-US" altLang="zh-CN" sz="2400" dirty="0" smtClean="0">
+                <a:solidFill>
+                  <a:schemeClr val="accent1">
+                    <a:lumMod val="90000"/>
+                    <a:lumOff val="10000"/>
+                  </a:schemeClr>
+                </a:solidFill>
+              </a:rPr>
+              <a:t>");</a:t>
+            </a:r>
+            <a:endParaRPr lang="en-US" altLang="zh-CN" sz="2400" dirty="0">
+              <a:solidFill>
+                <a:schemeClr val="accent1">
+                  <a:lumMod val="90000"/>
+                  <a:lumOff val="10000"/>
+                </a:schemeClr>
+              </a:solidFill>
+            </a:endParaRPr>
           </a:p>
           <a:p>
-            <a:pPr marL="360000" lvl="1" indent="0">
+            <a:pPr marL="648000" lvl="1" indent="0">
               <a:buNone/>
             </a:pPr>
             <a:endParaRPr lang="en-US" altLang="zh-CN" sz="2400" dirty="0" smtClean="0">
@@ -44539,14 +44500,14 @@
             </a:endParaRPr>
           </a:p>
           <a:p>
-            <a:pPr marL="360000" lvl="1"/>
-            <a:r>
-              <a:rPr lang="zh-CN" altLang="en-US" sz="2400" dirty="0"/>
-              <a:t> </a:t>
-            </a:r>
+            <a:pPr marL="648000" lvl="1"/>
             <a:r>
               <a:rPr lang="zh-CN" altLang="en-US" sz="2400" dirty="0" smtClean="0"/>
-              <a:t>生成一个</a:t>
+              <a:t> 生成</a:t>
+            </a:r>
+            <a:r>
+              <a:rPr lang="zh-CN" altLang="en-US" sz="2400" dirty="0" smtClean="0"/>
+              <a:t>一个</a:t>
             </a:r>
             <a:r>
               <a:rPr lang="zh-CN" altLang="en-US" sz="2400" dirty="0" smtClean="0">
@@ -44597,7 +44558,11 @@
             </a:pPr>
             <a:r>
               <a:rPr lang="zh-CN" altLang="en-US" sz="2400" dirty="0" smtClean="0"/>
-              <a:t>创建文本</a:t>
+              <a:t>    创建</a:t>
+            </a:r>
+            <a:r>
+              <a:rPr lang="zh-CN" altLang="en-US" sz="2400" dirty="0" smtClean="0"/>
+              <a:t>文本</a:t>
             </a:r>
             <a:r>
               <a:rPr lang="zh-CN" altLang="en-US" sz="2400" dirty="0"/>
@@ -44616,7 +44581,7 @@
               <a:defRPr/>
             </a:pPr>
             <a:r>
-              <a:rPr lang="zh-CN" altLang="en-US" sz="2400" dirty="0">
+              <a:rPr lang="zh-CN" altLang="en-US" sz="2400" dirty="0" smtClean="0">
                 <a:solidFill>
                   <a:schemeClr val="accent1">
                     <a:lumMod val="90000"/>
@@ -44624,7 +44589,18 @@
                   </a:schemeClr>
                 </a:solidFill>
               </a:rPr>
-              <a:t>例：</a:t>
+              <a:t>    例</a:t>
+            </a:r>
+            <a:r>
+              <a:rPr lang="zh-CN" altLang="en-US" sz="2400" dirty="0">
+                <a:solidFill>
+                  <a:schemeClr val="accent1">
+                    <a:lumMod val="90000"/>
+                    <a:lumOff val="10000"/>
+                  </a:schemeClr>
+                </a:solidFill>
+              </a:rPr>
+              <a:t>：</a:t>
             </a:r>
             <a:r>
               <a:rPr lang="en-US" altLang="zh-CN" sz="2400" dirty="0" err="1">
@@ -44780,7 +44756,7 @@
         </p:nvCxnSpPr>
         <p:spPr bwMode="auto">
           <a:xfrm>
-            <a:off x="4716462" y="3533775"/>
+            <a:off x="4931392" y="3645099"/>
             <a:ext cx="1924050" cy="0"/>
           </a:xfrm>
           <a:prstGeom prst="line">
@@ -44814,7 +44790,7 @@
         </p:nvSpPr>
         <p:spPr bwMode="auto">
           <a:xfrm>
-            <a:off x="4500562" y="3644900"/>
+            <a:off x="4870475" y="3789165"/>
             <a:ext cx="2520950" cy="461665"/>
           </a:xfrm>
           <a:prstGeom prst="rect">
@@ -44984,7 +44960,7 @@
         </p:nvCxnSpPr>
         <p:spPr bwMode="auto">
           <a:xfrm>
-            <a:off x="6948487" y="3549650"/>
+            <a:off x="7163417" y="3645099"/>
             <a:ext cx="1370013" cy="0"/>
           </a:xfrm>
           <a:prstGeom prst="line">
@@ -45018,7 +44994,7 @@
         </p:nvSpPr>
         <p:spPr bwMode="auto">
           <a:xfrm>
-            <a:off x="6907212" y="3644900"/>
+            <a:off x="7031260" y="3789165"/>
             <a:ext cx="1729961" cy="461665"/>
           </a:xfrm>
           <a:prstGeom prst="rect">
@@ -45161,13 +45137,22 @@
           </a:lstStyle>
           <a:p>
             <a:r>
-              <a:rPr lang="en-US" altLang="zh-CN" sz="2400" b="1" dirty="0">
+              <a:rPr lang="en-US" altLang="zh-CN" sz="2400" b="1" dirty="0" smtClean="0">
                 <a:solidFill>
                   <a:srgbClr val="0070C0"/>
                 </a:solidFill>
                 <a:latin typeface="宋体" panose="02010600030101010101" pitchFamily="2" charset="-122"/>
               </a:rPr>
-              <a:t>html</a:t>
+              <a:t>HTML</a:t>
+            </a:r>
+            <a:r>
+              <a:rPr lang="zh-CN" altLang="en-US" sz="2400" b="1" dirty="0" smtClean="0">
+                <a:solidFill>
+                  <a:srgbClr val="0070C0"/>
+                </a:solidFill>
+                <a:latin typeface="宋体" panose="02010600030101010101" pitchFamily="2" charset="-122"/>
+              </a:rPr>
+              <a:t>元素</a:t>
             </a:r>
             <a:r>
               <a:rPr lang="zh-CN" altLang="en-US" sz="2400" b="1" dirty="0">
@@ -45176,7 +45161,7 @@
                 </a:solidFill>
                 <a:latin typeface="宋体" panose="02010600030101010101" pitchFamily="2" charset="-122"/>
               </a:rPr>
-              <a:t>元素名</a:t>
+              <a:t>名</a:t>
             </a:r>
             <a:endParaRPr lang="en-US" altLang="zh-CN" sz="2400" b="1" dirty="0">
               <a:solidFill>
@@ -45197,7 +45182,7 @@
         </p:nvCxnSpPr>
         <p:spPr bwMode="auto">
           <a:xfrm>
-            <a:off x="4335462" y="5951106"/>
+            <a:off x="4620505" y="6094221"/>
             <a:ext cx="2305050" cy="0"/>
           </a:xfrm>
           <a:prstGeom prst="line">
@@ -45231,7 +45216,7 @@
         </p:nvSpPr>
         <p:spPr bwMode="auto">
           <a:xfrm>
-            <a:off x="4500562" y="6024131"/>
+            <a:off x="4785605" y="6136787"/>
             <a:ext cx="2139950" cy="461665"/>
           </a:xfrm>
           <a:prstGeom prst="rect">
@@ -45394,7 +45379,7 @@
         </p:nvCxnSpPr>
         <p:spPr bwMode="auto">
           <a:xfrm>
-            <a:off x="6865937" y="5951106"/>
+            <a:off x="7150980" y="6094221"/>
             <a:ext cx="1333500" cy="0"/>
           </a:xfrm>
           <a:prstGeom prst="line">
@@ -45428,7 +45413,7 @@
         </p:nvSpPr>
         <p:spPr bwMode="auto">
           <a:xfrm>
-            <a:off x="6824662" y="6024131"/>
+            <a:off x="7109705" y="6136787"/>
             <a:ext cx="1723549" cy="461665"/>
           </a:xfrm>
           <a:prstGeom prst="rect">
